--- a/presentation/Project.pptx
+++ b/presentation/Project.pptx
@@ -5,7 +5,7 @@
     <p:sldMasterId id="2147483744" r:id="rId1"/>
   </p:sldMasterIdLst>
   <p:notesMasterIdLst>
-    <p:notesMasterId r:id="rId22"/>
+    <p:notesMasterId r:id="rId23"/>
   </p:notesMasterIdLst>
   <p:sldIdLst>
     <p:sldId id="256" r:id="rId2"/>
@@ -27,7 +27,8 @@
     <p:sldId id="3863" r:id="rId18"/>
     <p:sldId id="3864" r:id="rId19"/>
     <p:sldId id="3866" r:id="rId20"/>
-    <p:sldId id="3865" r:id="rId21"/>
+    <p:sldId id="3868" r:id="rId21"/>
+    <p:sldId id="3865" r:id="rId22"/>
   </p:sldIdLst>
   <p:sldSz cx="12192000" cy="6858000"/>
   <p:notesSz cx="6858000" cy="9144000"/>
@@ -1429,7 +1430,7 @@
           <a:p>
             <a:fld id="{8B228812-6904-4A37-98BB-5571F74E66EC}" type="slidenum">
               <a:rPr lang="en-IL" smtClean="0"/>
-              <a:t>20</a:t>
+              <a:t>21</a:t>
             </a:fld>
             <a:endParaRPr lang="en-IL"/>
           </a:p>
@@ -11529,13 +11530,13 @@
           <a:p>
             <a:r>
               <a:rPr lang="en-US" sz="2000" dirty="0"/>
-              <a:t># neighbors = 4</a:t>
+              <a:t># neighbors = X axis</a:t>
             </a:r>
           </a:p>
           <a:p>
             <a:r>
               <a:rPr lang="en-US" sz="2000" dirty="0"/>
-              <a:t>P = 1/3 </a:t>
+              <a:t>P = 3 </a:t>
             </a:r>
           </a:p>
           <a:p>
@@ -11545,7 +11546,7 @@
             </a:r>
             <a:r>
               <a:rPr lang="en-US" sz="2000" dirty="0"/>
-              <a:t>=2                           </a:t>
+              <a:t>=6                           </a:t>
             </a:r>
           </a:p>
           <a:p>
@@ -11555,7 +11556,7 @@
             </a:r>
             <a:r>
               <a:rPr lang="en-US" sz="2000" dirty="0"/>
-              <a:t>=6                           </a:t>
+              <a:t>=2                           </a:t>
             </a:r>
           </a:p>
           <a:p>
@@ -12017,7 +12018,7 @@
         </p:blipFill>
         <p:spPr>
           <a:xfrm>
-            <a:off x="3374379" y="897704"/>
+            <a:off x="3456577" y="689910"/>
             <a:ext cx="8647688" cy="2882563"/>
           </a:xfrm>
           <a:prstGeom prst="rect">
@@ -12111,11 +12112,11 @@
           <a:lstStyle/>
           <a:p>
             <a:r>
-              <a:rPr lang="en-US" dirty="0"/>
+              <a:rPr lang="en-US" sz="2400" dirty="0"/>
               <a:t>Larger P </a:t>
             </a:r>
             <a:r>
-              <a:rPr lang="en-US" dirty="0">
+              <a:rPr lang="en-US" sz="2400" dirty="0">
                 <a:sym typeface="Wingdings" panose="05000000000000000000" pitchFamily="2" charset="2"/>
               </a:rPr>
               <a:t> Parallel win</a:t>
@@ -12123,11 +12124,11 @@
           </a:p>
           <a:p>
             <a:r>
-              <a:rPr lang="en-US" dirty="0"/>
+              <a:rPr lang="en-US" sz="2400" dirty="0"/>
               <a:t>More neighbors </a:t>
             </a:r>
             <a:r>
-              <a:rPr lang="en-US" dirty="0">
+              <a:rPr lang="en-US" sz="2400" dirty="0">
                 <a:sym typeface="Wingdings" panose="05000000000000000000" pitchFamily="2" charset="2"/>
               </a:rPr>
               <a:t> Faster whole network propagation</a:t>
@@ -12136,7 +12137,7 @@
           <a:p>
             <a:pPr lvl="1"/>
             <a:r>
-              <a:rPr lang="en-US" dirty="0">
+              <a:rPr lang="en-US" sz="2000" dirty="0">
                 <a:sym typeface="Wingdings" panose="05000000000000000000" pitchFamily="2" charset="2"/>
               </a:rPr>
               <a:t>More significant in serial</a:t>
@@ -12144,7 +12145,7 @@
           </a:p>
           <a:p>
             <a:r>
-              <a:rPr lang="en-US" dirty="0">
+              <a:rPr lang="en-US" sz="2400" dirty="0">
                 <a:sym typeface="Wingdings" panose="05000000000000000000" pitchFamily="2" charset="2"/>
               </a:rPr>
               <a:t>There is no clear winning method</a:t>
@@ -12153,24 +12154,24 @@
           <a:p>
             <a:pPr lvl="1"/>
             <a:r>
-              <a:rPr lang="en-US" dirty="0">
+              <a:rPr lang="en-US" sz="2000" dirty="0">
                 <a:sym typeface="Wingdings" panose="05000000000000000000" pitchFamily="2" charset="2"/>
               </a:rPr>
               <a:t>Random network topology affect results</a:t>
             </a:r>
-            <a:endParaRPr lang="he-IL" dirty="0">
+            <a:endParaRPr lang="he-IL" sz="2000" dirty="0">
               <a:sym typeface="Wingdings" panose="05000000000000000000" pitchFamily="2" charset="2"/>
             </a:endParaRPr>
           </a:p>
           <a:p>
             <a:pPr lvl="1"/>
-            <a:endParaRPr lang="he-IL" dirty="0">
+            <a:endParaRPr lang="he-IL" sz="2000" dirty="0">
               <a:sym typeface="Wingdings" panose="05000000000000000000" pitchFamily="2" charset="2"/>
             </a:endParaRPr>
           </a:p>
           <a:p>
             <a:r>
-              <a:rPr lang="en-US" dirty="0">
+              <a:rPr lang="en-US" sz="2400" dirty="0">
                 <a:sym typeface="Wingdings" panose="05000000000000000000" pitchFamily="2" charset="2"/>
               </a:rPr>
               <a:t>Opensource code and design</a:t>
@@ -12178,7 +12179,14 @@
           </a:p>
           <a:p>
             <a:pPr lvl="1"/>
-            <a:endParaRPr lang="en-US" dirty="0">
+            <a:r>
+              <a:rPr lang="en-US" sz="1800" dirty="0">
+                <a:sym typeface="Wingdings" panose="05000000000000000000" pitchFamily="2" charset="2"/>
+                <a:hlinkClick r:id="rId2"/>
+              </a:rPr>
+              <a:t>https://github.com/danstr1/BlockChain</a:t>
+            </a:r>
+            <a:endParaRPr lang="en-US" sz="2000" dirty="0">
               <a:sym typeface="Wingdings" panose="05000000000000000000" pitchFamily="2" charset="2"/>
             </a:endParaRPr>
           </a:p>
@@ -17670,6 +17678,90 @@
 </file>
 
 <file path=ppt/slides/slide20.xml><?xml version="1.0" encoding="utf-8"?>
+<p:sld xmlns:a="http://schemas.openxmlformats.org/drawingml/2006/main" xmlns:r="http://schemas.openxmlformats.org/officeDocument/2006/relationships" xmlns:p="http://schemas.openxmlformats.org/presentationml/2006/main">
+  <p:cSld>
+    <p:spTree>
+      <p:nvGrpSpPr>
+        <p:cNvPr id="1" name=""/>
+        <p:cNvGrpSpPr/>
+        <p:nvPr/>
+      </p:nvGrpSpPr>
+      <p:grpSpPr>
+        <a:xfrm>
+          <a:off x="0" y="0"/>
+          <a:ext cx="0" cy="0"/>
+          <a:chOff x="0" y="0"/>
+          <a:chExt cx="0" cy="0"/>
+        </a:xfrm>
+      </p:grpSpPr>
+      <p:sp>
+        <p:nvSpPr>
+          <p:cNvPr id="2" name="Title 1">
+            <a:extLst>
+              <a:ext uri="{FF2B5EF4-FFF2-40B4-BE49-F238E27FC236}">
+                <a16:creationId xmlns:a16="http://schemas.microsoft.com/office/drawing/2014/main" id="{C150CC6F-A824-6352-CA07-E162EEE58D48}"/>
+              </a:ext>
+            </a:extLst>
+          </p:cNvPr>
+          <p:cNvSpPr>
+            <a:spLocks noGrp="1"/>
+          </p:cNvSpPr>
+          <p:nvPr>
+            <p:ph type="ctrTitle"/>
+          </p:nvPr>
+        </p:nvSpPr>
+        <p:spPr/>
+        <p:txBody>
+          <a:bodyPr/>
+          <a:lstStyle/>
+          <a:p>
+            <a:r>
+              <a:rPr lang="en-US" dirty="0"/>
+              <a:t>Questions?</a:t>
+            </a:r>
+            <a:endParaRPr lang="en-IL" dirty="0"/>
+          </a:p>
+        </p:txBody>
+      </p:sp>
+      <p:sp>
+        <p:nvSpPr>
+          <p:cNvPr id="3" name="Subtitle 2">
+            <a:extLst>
+              <a:ext uri="{FF2B5EF4-FFF2-40B4-BE49-F238E27FC236}">
+                <a16:creationId xmlns:a16="http://schemas.microsoft.com/office/drawing/2014/main" id="{24D6CE5E-3E02-A9FD-6CC0-A0D5B25A7BFE}"/>
+              </a:ext>
+            </a:extLst>
+          </p:cNvPr>
+          <p:cNvSpPr>
+            <a:spLocks noGrp="1"/>
+          </p:cNvSpPr>
+          <p:nvPr>
+            <p:ph type="subTitle" idx="1"/>
+          </p:nvPr>
+        </p:nvSpPr>
+        <p:spPr/>
+        <p:txBody>
+          <a:bodyPr/>
+          <a:lstStyle/>
+          <a:p>
+            <a:endParaRPr lang="en-IL"/>
+          </a:p>
+        </p:txBody>
+      </p:sp>
+    </p:spTree>
+    <p:extLst>
+      <p:ext uri="{BB962C8B-B14F-4D97-AF65-F5344CB8AC3E}">
+        <p14:creationId xmlns:p14="http://schemas.microsoft.com/office/powerpoint/2010/main" val="391430476"/>
+      </p:ext>
+    </p:extLst>
+  </p:cSld>
+  <p:clrMapOvr>
+    <a:masterClrMapping/>
+  </p:clrMapOvr>
+</p:sld>
+</file>
+
+<file path=ppt/slides/slide21.xml><?xml version="1.0" encoding="utf-8"?>
 <p:sld xmlns:a="http://schemas.openxmlformats.org/drawingml/2006/main" xmlns:r="http://schemas.openxmlformats.org/officeDocument/2006/relationships" xmlns:p="http://schemas.openxmlformats.org/presentationml/2006/main" show="0">
   <p:cSld>
     <p:spTree>
@@ -17863,7 +17955,7 @@
                 <a:tabLst/>
                 <a:defRPr/>
               </a:pPr>
-              <a:t>20</a:t>
+              <a:t>21</a:t>
             </a:fld>
             <a:endParaRPr kumimoji="0" lang="en-US" sz="1200" b="0" i="0" u="none" strike="noStrike" kern="1200" cap="none" spc="0" normalizeH="0" baseline="0" noProof="0" dirty="0">
               <a:ln>
